--- a/Manfacturing Process/Semiconductor manfacturing process.pptx
+++ b/Manfacturing Process/Semiconductor manfacturing process.pptx
@@ -107,6 +107,11 @@
       </a:defRPr>
     </a:lvl9pPr>
   </p:defaultTextStyle>
+  <p:extLst>
+    <p:ext uri="{EFAFB233-063F-42B5-8137-9DF3F51BA10A}">
+      <p15:sldGuideLst xmlns:p15="http://schemas.microsoft.com/office/powerpoint/2012/main"/>
+    </p:ext>
+  </p:extLst>
 </p:presentation>
 </file>
 
@@ -257,7 +262,7 @@
           <a:p>
             <a:fld id="{CDC22A6A-60B9-4B43-A418-D19D13126074}" type="datetimeFigureOut">
               <a:rPr lang="en-US" smtClean="0"/>
-              <a:t>8/31/2021</a:t>
+              <a:t>9/3/2021</a:t>
             </a:fld>
             <a:endParaRPr lang="en-US"/>
           </a:p>
@@ -455,7 +460,7 @@
           <a:p>
             <a:fld id="{CDC22A6A-60B9-4B43-A418-D19D13126074}" type="datetimeFigureOut">
               <a:rPr lang="en-US" smtClean="0"/>
-              <a:t>8/31/2021</a:t>
+              <a:t>9/3/2021</a:t>
             </a:fld>
             <a:endParaRPr lang="en-US"/>
           </a:p>
@@ -663,7 +668,7 @@
           <a:p>
             <a:fld id="{CDC22A6A-60B9-4B43-A418-D19D13126074}" type="datetimeFigureOut">
               <a:rPr lang="en-US" smtClean="0"/>
-              <a:t>8/31/2021</a:t>
+              <a:t>9/3/2021</a:t>
             </a:fld>
             <a:endParaRPr lang="en-US"/>
           </a:p>
@@ -861,7 +866,7 @@
           <a:p>
             <a:fld id="{CDC22A6A-60B9-4B43-A418-D19D13126074}" type="datetimeFigureOut">
               <a:rPr lang="en-US" smtClean="0"/>
-              <a:t>8/31/2021</a:t>
+              <a:t>9/3/2021</a:t>
             </a:fld>
             <a:endParaRPr lang="en-US"/>
           </a:p>
@@ -1136,7 +1141,7 @@
           <a:p>
             <a:fld id="{CDC22A6A-60B9-4B43-A418-D19D13126074}" type="datetimeFigureOut">
               <a:rPr lang="en-US" smtClean="0"/>
-              <a:t>8/31/2021</a:t>
+              <a:t>9/3/2021</a:t>
             </a:fld>
             <a:endParaRPr lang="en-US"/>
           </a:p>
@@ -1401,7 +1406,7 @@
           <a:p>
             <a:fld id="{CDC22A6A-60B9-4B43-A418-D19D13126074}" type="datetimeFigureOut">
               <a:rPr lang="en-US" smtClean="0"/>
-              <a:t>8/31/2021</a:t>
+              <a:t>9/3/2021</a:t>
             </a:fld>
             <a:endParaRPr lang="en-US"/>
           </a:p>
@@ -1813,7 +1818,7 @@
           <a:p>
             <a:fld id="{CDC22A6A-60B9-4B43-A418-D19D13126074}" type="datetimeFigureOut">
               <a:rPr lang="en-US" smtClean="0"/>
-              <a:t>8/31/2021</a:t>
+              <a:t>9/3/2021</a:t>
             </a:fld>
             <a:endParaRPr lang="en-US"/>
           </a:p>
@@ -1954,7 +1959,7 @@
           <a:p>
             <a:fld id="{CDC22A6A-60B9-4B43-A418-D19D13126074}" type="datetimeFigureOut">
               <a:rPr lang="en-US" smtClean="0"/>
-              <a:t>8/31/2021</a:t>
+              <a:t>9/3/2021</a:t>
             </a:fld>
             <a:endParaRPr lang="en-US"/>
           </a:p>
@@ -2067,7 +2072,7 @@
           <a:p>
             <a:fld id="{CDC22A6A-60B9-4B43-A418-D19D13126074}" type="datetimeFigureOut">
               <a:rPr lang="en-US" smtClean="0"/>
-              <a:t>8/31/2021</a:t>
+              <a:t>9/3/2021</a:t>
             </a:fld>
             <a:endParaRPr lang="en-US"/>
           </a:p>
@@ -2378,7 +2383,7 @@
           <a:p>
             <a:fld id="{CDC22A6A-60B9-4B43-A418-D19D13126074}" type="datetimeFigureOut">
               <a:rPr lang="en-US" smtClean="0"/>
-              <a:t>8/31/2021</a:t>
+              <a:t>9/3/2021</a:t>
             </a:fld>
             <a:endParaRPr lang="en-US"/>
           </a:p>
@@ -2666,7 +2671,7 @@
           <a:p>
             <a:fld id="{CDC22A6A-60B9-4B43-A418-D19D13126074}" type="datetimeFigureOut">
               <a:rPr lang="en-US" smtClean="0"/>
-              <a:t>8/31/2021</a:t>
+              <a:t>9/3/2021</a:t>
             </a:fld>
             <a:endParaRPr lang="en-US"/>
           </a:p>
@@ -2907,7 +2912,7 @@
           <a:p>
             <a:fld id="{CDC22A6A-60B9-4B43-A418-D19D13126074}" type="datetimeFigureOut">
               <a:rPr lang="en-US" smtClean="0"/>
-              <a:t>8/31/2021</a:t>
+              <a:t>9/3/2021</a:t>
             </a:fld>
             <a:endParaRPr lang="en-US"/>
           </a:p>
@@ -3873,8 +3878,55 @@
         </p:blipFill>
         <p:spPr bwMode="auto">
           <a:xfrm>
-            <a:off x="3700130" y="3555372"/>
+            <a:off x="4795283" y="3429000"/>
             <a:ext cx="3048000" cy="3048000"/>
+          </a:xfrm>
+          <a:prstGeom prst="rect">
+            <a:avLst/>
+          </a:prstGeom>
+          <a:noFill/>
+          <a:extLst>
+            <a:ext uri="{909E8E84-426E-40DD-AFC4-6F175D3DCCD1}">
+              <a14:hiddenFill xmlns:a14="http://schemas.microsoft.com/office/drawing/2010/main">
+                <a:solidFill>
+                  <a:srgbClr val="FFFFFF"/>
+                </a:solidFill>
+              </a14:hiddenFill>
+            </a:ext>
+          </a:extLst>
+        </p:spPr>
+      </p:pic>
+      <p:pic>
+        <p:nvPicPr>
+          <p:cNvPr id="1026" name="Picture 2" descr="Transistors. Consider the merged MEMS-transistor | Chegg.com">
+            <a:extLst>
+              <a:ext uri="{FF2B5EF4-FFF2-40B4-BE49-F238E27FC236}">
+                <a16:creationId xmlns:a16="http://schemas.microsoft.com/office/drawing/2014/main" id="{643F44A9-2385-47B4-BE57-BB901745ED15}"/>
+              </a:ext>
+            </a:extLst>
+          </p:cNvPr>
+          <p:cNvPicPr>
+            <a:picLocks noChangeAspect="1" noChangeArrowheads="1"/>
+          </p:cNvPicPr>
+          <p:nvPr/>
+        </p:nvPicPr>
+        <p:blipFill>
+          <a:blip r:embed="rId4">
+            <a:extLst>
+              <a:ext uri="{28A0092B-C50C-407E-A947-70E740481C1C}">
+                <a14:useLocalDpi xmlns:a14="http://schemas.microsoft.com/office/drawing/2010/main" val="0"/>
+              </a:ext>
+            </a:extLst>
+          </a:blip>
+          <a:srcRect/>
+          <a:stretch>
+            <a:fillRect/>
+          </a:stretch>
+        </p:blipFill>
+        <p:spPr bwMode="auto">
+          <a:xfrm>
+            <a:off x="1" y="3555373"/>
+            <a:ext cx="4270236" cy="2239372"/>
           </a:xfrm>
           <a:prstGeom prst="rect">
             <a:avLst/>
